--- a/STMETRE_FernandezPobleteSanPedroTan_Presentation_v1.pptx
+++ b/STMETRE_FernandezPobleteSanPedroTan_Presentation_v1.pptx
@@ -8,18 +8,18 @@
     <p:sldId id="256" r:id="rId2"/>
     <p:sldId id="257" r:id="rId3"/>
     <p:sldId id="258" r:id="rId4"/>
-    <p:sldId id="259" r:id="rId5"/>
-    <p:sldId id="260" r:id="rId6"/>
-    <p:sldId id="261" r:id="rId7"/>
-    <p:sldId id="263" r:id="rId8"/>
-    <p:sldId id="262" r:id="rId9"/>
-    <p:sldId id="264" r:id="rId10"/>
-    <p:sldId id="265" r:id="rId11"/>
-    <p:sldId id="266" r:id="rId12"/>
-    <p:sldId id="267" r:id="rId13"/>
-    <p:sldId id="268" r:id="rId14"/>
-    <p:sldId id="269" r:id="rId15"/>
-    <p:sldId id="270" r:id="rId16"/>
+    <p:sldId id="260" r:id="rId5"/>
+    <p:sldId id="261" r:id="rId6"/>
+    <p:sldId id="263" r:id="rId7"/>
+    <p:sldId id="262" r:id="rId8"/>
+    <p:sldId id="264" r:id="rId9"/>
+    <p:sldId id="265" r:id="rId10"/>
+    <p:sldId id="266" r:id="rId11"/>
+    <p:sldId id="267" r:id="rId12"/>
+    <p:sldId id="268" r:id="rId13"/>
+    <p:sldId id="269" r:id="rId14"/>
+    <p:sldId id="274" r:id="rId15"/>
+    <p:sldId id="273" r:id="rId16"/>
   </p:sldIdLst>
   <p:sldSz cx="12192000" cy="6858000"/>
   <p:notesSz cx="6858000" cy="9144000"/>
@@ -13428,7 +13428,7 @@
           <a:p>
             <a:r>
               <a:rPr lang="en-US" dirty="0" smtClean="0"/>
-              <a:t>Specific Objective #2</a:t>
+              <a:t>Specific Objective #3</a:t>
             </a:r>
             <a:endParaRPr lang="en-US" dirty="0"/>
           </a:p>
@@ -13469,18 +13469,16 @@
         </p:nvSpPr>
         <p:spPr/>
         <p:txBody>
-          <a:bodyPr/>
+          <a:bodyPr>
+            <a:normAutofit/>
+          </a:bodyPr>
           <a:lstStyle/>
           <a:p>
             <a:r>
-              <a:rPr lang="en-PH" dirty="0"/>
-              <a:t>To determine the appropriate parameters to use in detecting the </a:t>
-            </a:r>
-            <a:r>
-              <a:rPr lang="en-PH" dirty="0" smtClean="0"/>
-              <a:t>communities</a:t>
-            </a:r>
-            <a:endParaRPr lang="en-US" dirty="0"/>
+              <a:rPr lang="en-PH" sz="2800" dirty="0"/>
+              <a:t>To determine how to evaluate the correctness of the detected communities</a:t>
+            </a:r>
+            <a:endParaRPr lang="en-US" sz="2800" dirty="0"/>
           </a:p>
         </p:txBody>
       </p:sp>
@@ -13525,41 +13523,24 @@
           <a:lstStyle/>
           <a:p>
             <a:r>
-              <a:rPr lang="en-PH" dirty="0" smtClean="0"/>
-              <a:t>Research will be done on parameters that indicate user similarity.</a:t>
-            </a:r>
-          </a:p>
-          <a:p>
-            <a:r>
-              <a:rPr lang="en-PH" dirty="0" smtClean="0"/>
-              <a:t>The </a:t>
-            </a:r>
-            <a:r>
-              <a:rPr lang="en-PH" dirty="0"/>
-              <a:t>research is limited to sentiment analysis and elements which can be extracted from a user’s </a:t>
-            </a:r>
-            <a:r>
-              <a:rPr lang="en-PH" dirty="0" smtClean="0"/>
-              <a:t>post</a:t>
-            </a:r>
-          </a:p>
-          <a:p>
-            <a:r>
-              <a:rPr lang="en-PH" dirty="0" smtClean="0"/>
-              <a:t>Facebook </a:t>
-            </a:r>
-            <a:r>
-              <a:rPr lang="en-PH" dirty="0"/>
-              <a:t>specific features such as membership in groups and event participation may also be considered.</a:t>
-            </a:r>
-            <a:endParaRPr lang="en-US" dirty="0"/>
+              <a:rPr lang="en-PH" sz="2800" dirty="0" smtClean="0"/>
+              <a:t>Find </a:t>
+            </a:r>
+            <a:r>
+              <a:rPr lang="en-PH" sz="2800" dirty="0"/>
+              <a:t>appropriate metrics in determining the accuracy of detected </a:t>
+            </a:r>
+            <a:r>
+              <a:rPr lang="en-PH" sz="2800" dirty="0" smtClean="0"/>
+              <a:t>communities</a:t>
+            </a:r>
           </a:p>
         </p:txBody>
       </p:sp>
     </p:spTree>
     <p:extLst>
       <p:ext uri="{BB962C8B-B14F-4D97-AF65-F5344CB8AC3E}">
-        <p14:creationId xmlns:p14="http://schemas.microsoft.com/office/powerpoint/2010/main" val="2947744017"/>
+        <p14:creationId xmlns:p14="http://schemas.microsoft.com/office/powerpoint/2010/main" val="3761494291"/>
       </p:ext>
     </p:extLst>
   </p:cSld>
@@ -13588,7 +13569,7 @@
       </p:grpSpPr>
       <p:sp>
         <p:nvSpPr>
-          <p:cNvPr id="2" name="Title 1"/>
+          <p:cNvPr id="7" name="Title 6"/>
           <p:cNvSpPr>
             <a:spLocks noGrp="1"/>
           </p:cNvSpPr>
@@ -13603,7 +13584,7 @@
           <a:p>
             <a:r>
               <a:rPr lang="en-US" dirty="0" smtClean="0"/>
-              <a:t>Specific Objective #3</a:t>
+              <a:t>Significance of the Study</a:t>
             </a:r>
             <a:endParaRPr lang="en-US" dirty="0"/>
           </a:p>
@@ -13611,7 +13592,7 @@
       </p:sp>
       <p:sp>
         <p:nvSpPr>
-          <p:cNvPr id="6" name="Text Placeholder 5"/>
+          <p:cNvPr id="8" name="Text Placeholder 7"/>
           <p:cNvSpPr>
             <a:spLocks noGrp="1"/>
           </p:cNvSpPr>
@@ -13624,93 +13605,14 @@
           <a:bodyPr/>
           <a:lstStyle/>
           <a:p>
-            <a:r>
-              <a:rPr lang="en-US" dirty="0" smtClean="0"/>
-              <a:t>Specific Objective	</a:t>
-            </a:r>
-            <a:endParaRPr lang="en-US" dirty="0"/>
-          </a:p>
-        </p:txBody>
-      </p:sp>
-      <p:sp>
-        <p:nvSpPr>
-          <p:cNvPr id="7" name="Content Placeholder 6"/>
-          <p:cNvSpPr>
-            <a:spLocks noGrp="1"/>
-          </p:cNvSpPr>
-          <p:nvPr>
-            <p:ph sz="half" idx="2"/>
-          </p:nvPr>
-        </p:nvSpPr>
-        <p:spPr/>
-        <p:txBody>
-          <a:bodyPr/>
-          <a:lstStyle/>
-          <a:p>
-            <a:r>
-              <a:rPr lang="en-PH" dirty="0"/>
-              <a:t>To determine how to evaluate the correctness of the detected communities</a:t>
-            </a:r>
-            <a:endParaRPr lang="en-US" dirty="0"/>
-          </a:p>
-        </p:txBody>
-      </p:sp>
-      <p:sp>
-        <p:nvSpPr>
-          <p:cNvPr id="8" name="Text Placeholder 7"/>
-          <p:cNvSpPr>
-            <a:spLocks noGrp="1"/>
-          </p:cNvSpPr>
-          <p:nvPr>
-            <p:ph type="body" sz="quarter" idx="3"/>
-          </p:nvPr>
-        </p:nvSpPr>
-        <p:spPr/>
-        <p:txBody>
-          <a:bodyPr/>
-          <a:lstStyle/>
-          <a:p>
-            <a:r>
-              <a:rPr lang="en-US" dirty="0" smtClean="0"/>
-              <a:t>Scope and Limitations</a:t>
-            </a:r>
-            <a:endParaRPr lang="en-US" dirty="0"/>
-          </a:p>
-        </p:txBody>
-      </p:sp>
-      <p:sp>
-        <p:nvSpPr>
-          <p:cNvPr id="9" name="Content Placeholder 8"/>
-          <p:cNvSpPr>
-            <a:spLocks noGrp="1"/>
-          </p:cNvSpPr>
-          <p:nvPr>
-            <p:ph sz="quarter" idx="4"/>
-          </p:nvPr>
-        </p:nvSpPr>
-        <p:spPr/>
-        <p:txBody>
-          <a:bodyPr>
-            <a:normAutofit/>
-          </a:bodyPr>
-          <a:lstStyle/>
-          <a:p>
-            <a:r>
-              <a:rPr lang="en-PH" dirty="0" smtClean="0"/>
-              <a:t>Research will </a:t>
-            </a:r>
-            <a:r>
-              <a:rPr lang="en-PH" dirty="0"/>
-              <a:t>be done to find appropriate metrics in determining the accuracy of detected communities. </a:t>
-            </a:r>
-            <a:endParaRPr lang="en-PH" dirty="0" smtClean="0"/>
+            <a:endParaRPr lang="en-US"/>
           </a:p>
         </p:txBody>
       </p:sp>
     </p:spTree>
     <p:extLst>
       <p:ext uri="{BB962C8B-B14F-4D97-AF65-F5344CB8AC3E}">
-        <p14:creationId xmlns:p14="http://schemas.microsoft.com/office/powerpoint/2010/main" val="3761494291"/>
+        <p14:creationId xmlns:p14="http://schemas.microsoft.com/office/powerpoint/2010/main" val="1408922620"/>
       </p:ext>
     </p:extLst>
   </p:cSld>
@@ -13739,7 +13641,7 @@
       </p:grpSpPr>
       <p:sp>
         <p:nvSpPr>
-          <p:cNvPr id="7" name="Title 6"/>
+          <p:cNvPr id="2" name="Title 1"/>
           <p:cNvSpPr>
             <a:spLocks noGrp="1"/>
           </p:cNvSpPr>
@@ -13754,7 +13656,7 @@
           <a:p>
             <a:r>
               <a:rPr lang="en-US" dirty="0" smtClean="0"/>
-              <a:t>Significance of the Study</a:t>
+              <a:t>Community Detection</a:t>
             </a:r>
             <a:endParaRPr lang="en-US" dirty="0"/>
           </a:p>
@@ -13762,27 +13664,47 @@
       </p:sp>
       <p:sp>
         <p:nvSpPr>
-          <p:cNvPr id="8" name="Text Placeholder 7"/>
+          <p:cNvPr id="7" name="Content Placeholder 6"/>
           <p:cNvSpPr>
             <a:spLocks noGrp="1"/>
           </p:cNvSpPr>
           <p:nvPr>
-            <p:ph type="body" idx="1"/>
+            <p:ph idx="1"/>
           </p:nvPr>
         </p:nvSpPr>
         <p:spPr/>
         <p:txBody>
-          <a:bodyPr/>
+          <a:bodyPr>
+            <a:normAutofit/>
+          </a:bodyPr>
           <a:lstStyle/>
           <a:p>
-            <a:endParaRPr lang="en-US"/>
+            <a:r>
+              <a:rPr lang="en-PH" sz="2800" dirty="0" smtClean="0"/>
+              <a:t>Facebook data mining is a new domain.</a:t>
+            </a:r>
+          </a:p>
+          <a:p>
+            <a:r>
+              <a:rPr lang="en-PH" sz="2800" dirty="0" smtClean="0"/>
+              <a:t>This </a:t>
+            </a:r>
+            <a:r>
+              <a:rPr lang="en-PH" sz="2800" dirty="0"/>
+              <a:t>research can also contribute to the notion that community detection is a relevant field of study in this day and age</a:t>
+            </a:r>
+            <a:r>
+              <a:rPr lang="en-PH" sz="2800" dirty="0" smtClean="0"/>
+              <a:t>.</a:t>
+            </a:r>
+            <a:endParaRPr lang="en-PH" sz="2800" dirty="0"/>
           </a:p>
         </p:txBody>
       </p:sp>
     </p:spTree>
     <p:extLst>
       <p:ext uri="{BB962C8B-B14F-4D97-AF65-F5344CB8AC3E}">
-        <p14:creationId xmlns:p14="http://schemas.microsoft.com/office/powerpoint/2010/main" val="1408922620"/>
+        <p14:creationId xmlns:p14="http://schemas.microsoft.com/office/powerpoint/2010/main" val="3701490272"/>
       </p:ext>
     </p:extLst>
   </p:cSld>
@@ -13826,7 +13748,7 @@
           <a:p>
             <a:r>
               <a:rPr lang="en-US" dirty="0" smtClean="0"/>
-              <a:t>Community Detection</a:t>
+              <a:t>Target Users and Domain</a:t>
             </a:r>
             <a:endParaRPr lang="en-US" dirty="0"/>
           </a:p>
@@ -13834,7 +13756,7 @@
       </p:sp>
       <p:sp>
         <p:nvSpPr>
-          <p:cNvPr id="7" name="Content Placeholder 6"/>
+          <p:cNvPr id="3" name="Content Placeholder 2"/>
           <p:cNvSpPr>
             <a:spLocks noGrp="1"/>
           </p:cNvSpPr>
@@ -13845,36 +13767,35 @@
         <p:spPr/>
         <p:txBody>
           <a:bodyPr>
-            <a:normAutofit/>
+            <a:noAutofit/>
           </a:bodyPr>
           <a:lstStyle/>
           <a:p>
             <a:r>
-              <a:rPr lang="en-PH" dirty="0" smtClean="0"/>
-              <a:t>Facebook data mining is a new domain.</a:t>
-            </a:r>
-          </a:p>
-          <a:p>
-            <a:r>
-              <a:rPr lang="en-PH" dirty="0" smtClean="0"/>
-              <a:t>This </a:t>
-            </a:r>
-            <a:r>
-              <a:rPr lang="en-PH" dirty="0"/>
-              <a:t>research can also contribute to the notion that community detection is a relevant field of study in this day and age</a:t>
-            </a:r>
-            <a:r>
-              <a:rPr lang="en-PH" dirty="0" smtClean="0"/>
-              <a:t>.</a:t>
-            </a:r>
-            <a:endParaRPr lang="en-PH" dirty="0"/>
+              <a:rPr lang="en-PH" sz="2800" dirty="0"/>
+              <a:t>This research can also be a very useful tool in the domains of</a:t>
+            </a:r>
+          </a:p>
+          <a:p>
+            <a:pPr lvl="1"/>
+            <a:r>
+              <a:rPr lang="en-PH" sz="2800" dirty="0"/>
+              <a:t>viral marketing</a:t>
+            </a:r>
+          </a:p>
+          <a:p>
+            <a:pPr lvl="1"/>
+            <a:r>
+              <a:rPr lang="en-PH" sz="2800" dirty="0"/>
+              <a:t>political endorsement. </a:t>
+            </a:r>
           </a:p>
         </p:txBody>
       </p:sp>
     </p:spTree>
     <p:extLst>
       <p:ext uri="{BB962C8B-B14F-4D97-AF65-F5344CB8AC3E}">
-        <p14:creationId xmlns:p14="http://schemas.microsoft.com/office/powerpoint/2010/main" val="3701490272"/>
+        <p14:creationId xmlns:p14="http://schemas.microsoft.com/office/powerpoint/2010/main" val="3411375532"/>
       </p:ext>
     </p:extLst>
   </p:cSld>
@@ -13936,68 +13857,46 @@
         </p:nvSpPr>
         <p:spPr/>
         <p:txBody>
-          <a:bodyPr/>
+          <a:bodyPr>
+            <a:noAutofit/>
+          </a:bodyPr>
           <a:lstStyle/>
           <a:p>
             <a:r>
-              <a:rPr lang="en-PH" dirty="0"/>
-              <a:t>This research can also be a very useful tool in the domains of</a:t>
+              <a:rPr lang="en-PH" sz="2800" dirty="0" smtClean="0"/>
+              <a:t>Interested companies may use the result of this research to improve their sales and marketing. </a:t>
+            </a:r>
+          </a:p>
+          <a:p>
+            <a:r>
+              <a:rPr lang="en-PH" sz="2800" dirty="0" smtClean="0"/>
+              <a:t>The government may use this to gauge </a:t>
             </a:r>
           </a:p>
           <a:p>
             <a:pPr lvl="1"/>
             <a:r>
-              <a:rPr lang="en-PH" dirty="0"/>
-              <a:t>viral marketing</a:t>
+              <a:rPr lang="en-PH" sz="2800" dirty="0" smtClean="0"/>
+              <a:t>public opinion on certain issues </a:t>
             </a:r>
           </a:p>
           <a:p>
             <a:pPr lvl="1"/>
             <a:r>
-              <a:rPr lang="en-PH" dirty="0"/>
-              <a:t>political endorsement. </a:t>
-            </a:r>
-          </a:p>
-          <a:p>
-            <a:r>
-              <a:rPr lang="en-PH" dirty="0" smtClean="0"/>
-              <a:t>Interested </a:t>
-            </a:r>
-            <a:r>
-              <a:rPr lang="en-PH" dirty="0"/>
-              <a:t>companies may use the result of this research to improve their sales and marketing. </a:t>
-            </a:r>
-          </a:p>
-          <a:p>
-            <a:r>
-              <a:rPr lang="en-PH" dirty="0"/>
-              <a:t>The government may use this to gauge </a:t>
-            </a:r>
-          </a:p>
-          <a:p>
-            <a:pPr lvl="1"/>
-            <a:r>
-              <a:rPr lang="en-PH" dirty="0"/>
-              <a:t>public opinion on certain issues </a:t>
-            </a:r>
-          </a:p>
-          <a:p>
-            <a:pPr lvl="1"/>
-            <a:r>
-              <a:rPr lang="en-PH" dirty="0"/>
+              <a:rPr lang="en-PH" sz="2800" dirty="0" smtClean="0"/>
               <a:t>which geographical areas have a particular opinion. </a:t>
             </a:r>
-            <a:endParaRPr lang="en-US" dirty="0"/>
-          </a:p>
-          <a:p>
-            <a:endParaRPr lang="en-US" dirty="0"/>
+            <a:endParaRPr lang="en-US" sz="2800" dirty="0" smtClean="0"/>
+          </a:p>
+          <a:p>
+            <a:endParaRPr lang="en-US" sz="2800" dirty="0"/>
           </a:p>
         </p:txBody>
       </p:sp>
     </p:spTree>
     <p:extLst>
       <p:ext uri="{BB962C8B-B14F-4D97-AF65-F5344CB8AC3E}">
-        <p14:creationId xmlns:p14="http://schemas.microsoft.com/office/powerpoint/2010/main" val="3411375532"/>
+        <p14:creationId xmlns:p14="http://schemas.microsoft.com/office/powerpoint/2010/main" val="2114798626"/>
       </p:ext>
     </p:extLst>
   </p:cSld>
@@ -14026,7 +13925,7 @@
       </p:grpSpPr>
       <p:sp>
         <p:nvSpPr>
-          <p:cNvPr id="4" name="Title 3"/>
+          <p:cNvPr id="2" name="Title 1"/>
           <p:cNvSpPr>
             <a:spLocks noGrp="1"/>
           </p:cNvSpPr>
@@ -14041,19 +13940,15 @@
           <a:p>
             <a:r>
               <a:rPr lang="en-US" dirty="0" smtClean="0"/>
-              <a:t>Review of </a:t>
-            </a:r>
-            <a:r>
-              <a:rPr lang="en-US" smtClean="0"/>
-              <a:t>Related Literature</a:t>
-            </a:r>
-            <a:endParaRPr lang="en-US"/>
+              <a:t>Thank You!</a:t>
+            </a:r>
+            <a:endParaRPr lang="en-US" dirty="0"/>
           </a:p>
         </p:txBody>
       </p:sp>
       <p:sp>
         <p:nvSpPr>
-          <p:cNvPr id="5" name="Text Placeholder 4"/>
+          <p:cNvPr id="3" name="Text Placeholder 2"/>
           <p:cNvSpPr>
             <a:spLocks noGrp="1"/>
           </p:cNvSpPr>
@@ -14073,7 +13968,7 @@
     </p:spTree>
     <p:extLst>
       <p:ext uri="{BB962C8B-B14F-4D97-AF65-F5344CB8AC3E}">
-        <p14:creationId xmlns:p14="http://schemas.microsoft.com/office/powerpoint/2010/main" val="3232774456"/>
+        <p14:creationId xmlns:p14="http://schemas.microsoft.com/office/powerpoint/2010/main" val="2069383525"/>
       </p:ext>
     </p:extLst>
   </p:cSld>
@@ -14135,7 +14030,9 @@
         </p:nvSpPr>
         <p:spPr/>
         <p:txBody>
-          <a:bodyPr/>
+          <a:bodyPr>
+            <a:normAutofit/>
+          </a:bodyPr>
           <a:lstStyle/>
           <a:p>
             <a:pPr>
@@ -14143,7 +14040,7 @@
               <a:buAutoNum type="arabicPeriod"/>
             </a:pPr>
             <a:r>
-              <a:rPr lang="en-US" dirty="0" smtClean="0"/>
+              <a:rPr lang="en-US" sz="2800" dirty="0" smtClean="0"/>
               <a:t>Research Description</a:t>
             </a:r>
           </a:p>
@@ -14153,7 +14050,7 @@
               <a:buAutoNum type="arabicPeriod"/>
             </a:pPr>
             <a:r>
-              <a:rPr lang="en-US" dirty="0" smtClean="0"/>
+              <a:rPr lang="en-US" sz="2800" dirty="0" smtClean="0"/>
               <a:t>Review of Related Literature</a:t>
             </a:r>
           </a:p>
@@ -14316,7 +14213,7 @@
           <a:bodyPr/>
           <a:lstStyle/>
           <a:p>
-            <a:endParaRPr lang="en-US"/>
+            <a:endParaRPr lang="en-US" dirty="0"/>
           </a:p>
         </p:txBody>
       </p:sp>
@@ -14335,14 +14232,24 @@
           <a:bodyPr/>
           <a:lstStyle/>
           <a:p>
-            <a:endParaRPr lang="en-US"/>
+            <a:r>
+              <a:rPr lang="en-US" dirty="0" smtClean="0"/>
+              <a:t>&lt;pictures about Twitter here&gt;</a:t>
+            </a:r>
+          </a:p>
+          <a:p>
+            <a:r>
+              <a:rPr lang="en-US" dirty="0" smtClean="0"/>
+              <a:t>&lt;RRL stuff here&gt;</a:t>
+            </a:r>
+            <a:endParaRPr lang="en-US" dirty="0"/>
           </a:p>
         </p:txBody>
       </p:sp>
     </p:spTree>
     <p:extLst>
       <p:ext uri="{BB962C8B-B14F-4D97-AF65-F5344CB8AC3E}">
-        <p14:creationId xmlns:p14="http://schemas.microsoft.com/office/powerpoint/2010/main" val="3044304423"/>
+        <p14:creationId xmlns:p14="http://schemas.microsoft.com/office/powerpoint/2010/main" val="1122599386"/>
       </p:ext>
     </p:extLst>
   </p:cSld>
@@ -14384,6 +14291,10 @@
           <a:bodyPr/>
           <a:lstStyle/>
           <a:p>
+            <a:r>
+              <a:rPr lang="en-US" dirty="0" smtClean="0"/>
+              <a:t>Research Problem</a:t>
+            </a:r>
             <a:endParaRPr lang="en-US" dirty="0"/>
           </a:p>
         </p:txBody>
@@ -14400,21 +14311,39 @@
         </p:nvSpPr>
         <p:spPr/>
         <p:txBody>
-          <a:bodyPr/>
+          <a:bodyPr>
+            <a:normAutofit/>
+          </a:bodyPr>
           <a:lstStyle/>
           <a:p>
             <a:r>
-              <a:rPr lang="en-US" dirty="0" smtClean="0"/>
-              <a:t>&lt;pictures about Twitter here&gt;</a:t>
-            </a:r>
-            <a:endParaRPr lang="en-US" dirty="0"/>
+              <a:rPr lang="en-PH" sz="2800" dirty="0" smtClean="0"/>
+              <a:t>There </a:t>
+            </a:r>
+            <a:r>
+              <a:rPr lang="en-PH" sz="2800" dirty="0"/>
+              <a:t>has yet to be a community detection tool that integrates data from </a:t>
+            </a:r>
+            <a:r>
+              <a:rPr lang="en-PH" sz="2800" dirty="0" smtClean="0"/>
+              <a:t>both Facebook and Twitter into </a:t>
+            </a:r>
+            <a:r>
+              <a:rPr lang="en-PH" sz="2800" dirty="0"/>
+              <a:t>the </a:t>
+            </a:r>
+            <a:r>
+              <a:rPr lang="en-PH" sz="2800" dirty="0" smtClean="0"/>
+              <a:t>computation.</a:t>
+            </a:r>
+            <a:endParaRPr lang="en-US" sz="2800" dirty="0"/>
           </a:p>
         </p:txBody>
       </p:sp>
     </p:spTree>
     <p:extLst>
       <p:ext uri="{BB962C8B-B14F-4D97-AF65-F5344CB8AC3E}">
-        <p14:creationId xmlns:p14="http://schemas.microsoft.com/office/powerpoint/2010/main" val="1122599386"/>
+        <p14:creationId xmlns:p14="http://schemas.microsoft.com/office/powerpoint/2010/main" val="3173837514"/>
       </p:ext>
     </p:extLst>
   </p:cSld>
@@ -14443,7 +14372,7 @@
       </p:grpSpPr>
       <p:sp>
         <p:nvSpPr>
-          <p:cNvPr id="2" name="Title 1"/>
+          <p:cNvPr id="6" name="Title 5"/>
           <p:cNvSpPr>
             <a:spLocks noGrp="1"/>
           </p:cNvSpPr>
@@ -14458,7 +14387,7 @@
           <a:p>
             <a:r>
               <a:rPr lang="en-US" dirty="0" smtClean="0"/>
-              <a:t>Research Problem</a:t>
+              <a:t>Research Objectives, Scope, and Limitations</a:t>
             </a:r>
             <a:endParaRPr lang="en-US" dirty="0"/>
           </a:p>
@@ -14466,49 +14395,27 @@
       </p:sp>
       <p:sp>
         <p:nvSpPr>
-          <p:cNvPr id="3" name="Content Placeholder 2"/>
+          <p:cNvPr id="7" name="Text Placeholder 6"/>
           <p:cNvSpPr>
             <a:spLocks noGrp="1"/>
           </p:cNvSpPr>
           <p:nvPr>
-            <p:ph idx="1"/>
+            <p:ph type="body" idx="1"/>
           </p:nvPr>
         </p:nvSpPr>
         <p:spPr/>
         <p:txBody>
-          <a:bodyPr>
-            <a:normAutofit/>
-          </a:bodyPr>
+          <a:bodyPr/>
           <a:lstStyle/>
           <a:p>
-            <a:r>
-              <a:rPr lang="en-PH" sz="2800" dirty="0" smtClean="0"/>
-              <a:t>There </a:t>
-            </a:r>
-            <a:r>
-              <a:rPr lang="en-PH" sz="2800" dirty="0"/>
-              <a:t>has yet to be a community detection tool that integrates data from </a:t>
-            </a:r>
-            <a:r>
-              <a:rPr lang="en-PH" sz="2800" dirty="0" smtClean="0"/>
-              <a:t>both Facebook and Twitter into </a:t>
-            </a:r>
-            <a:r>
-              <a:rPr lang="en-PH" sz="2800" dirty="0"/>
-              <a:t>the </a:t>
-            </a:r>
-            <a:r>
-              <a:rPr lang="en-PH" sz="2800" dirty="0" smtClean="0"/>
-              <a:t>computation.</a:t>
-            </a:r>
-            <a:endParaRPr lang="en-US" sz="2800" dirty="0"/>
+            <a:endParaRPr lang="en-US"/>
           </a:p>
         </p:txBody>
       </p:sp>
     </p:spTree>
     <p:extLst>
       <p:ext uri="{BB962C8B-B14F-4D97-AF65-F5344CB8AC3E}">
-        <p14:creationId xmlns:p14="http://schemas.microsoft.com/office/powerpoint/2010/main" val="3173837514"/>
+        <p14:creationId xmlns:p14="http://schemas.microsoft.com/office/powerpoint/2010/main" val="374136568"/>
       </p:ext>
     </p:extLst>
   </p:cSld>
@@ -14537,7 +14444,7 @@
       </p:grpSpPr>
       <p:sp>
         <p:nvSpPr>
-          <p:cNvPr id="6" name="Title 5"/>
+          <p:cNvPr id="2" name="Title 1"/>
           <p:cNvSpPr>
             <a:spLocks noGrp="1"/>
           </p:cNvSpPr>
@@ -14552,7 +14459,7 @@
           <a:p>
             <a:r>
               <a:rPr lang="en-US" dirty="0" smtClean="0"/>
-              <a:t>Research Objectives, Scope, and Limitations</a:t>
+              <a:t>General Objective</a:t>
             </a:r>
             <a:endParaRPr lang="en-US" dirty="0"/>
           </a:p>
@@ -14560,27 +14467,33 @@
       </p:sp>
       <p:sp>
         <p:nvSpPr>
-          <p:cNvPr id="7" name="Text Placeholder 6"/>
+          <p:cNvPr id="3" name="Content Placeholder 2"/>
           <p:cNvSpPr>
             <a:spLocks noGrp="1"/>
           </p:cNvSpPr>
           <p:nvPr>
-            <p:ph type="body" idx="1"/>
+            <p:ph idx="1"/>
           </p:nvPr>
         </p:nvSpPr>
         <p:spPr/>
         <p:txBody>
-          <a:bodyPr/>
+          <a:bodyPr>
+            <a:normAutofit/>
+          </a:bodyPr>
           <a:lstStyle/>
           <a:p>
-            <a:endParaRPr lang="en-US"/>
+            <a:r>
+              <a:rPr lang="en-PH" sz="2800" dirty="0"/>
+              <a:t>To produce a visualization of the detected communities on data found on Facebook and Twitter</a:t>
+            </a:r>
+            <a:endParaRPr lang="en-US" sz="2800" dirty="0"/>
           </a:p>
         </p:txBody>
       </p:sp>
     </p:spTree>
     <p:extLst>
       <p:ext uri="{BB962C8B-B14F-4D97-AF65-F5344CB8AC3E}">
-        <p14:creationId xmlns:p14="http://schemas.microsoft.com/office/powerpoint/2010/main" val="374136568"/>
+        <p14:creationId xmlns:p14="http://schemas.microsoft.com/office/powerpoint/2010/main" val="2287641371"/>
       </p:ext>
     </p:extLst>
   </p:cSld>
@@ -14624,7 +14537,7 @@
           <a:p>
             <a:r>
               <a:rPr lang="en-US" dirty="0" smtClean="0"/>
-              <a:t>General Objective</a:t>
+              <a:t>Specific Objective #1</a:t>
             </a:r>
             <a:endParaRPr lang="en-US" dirty="0"/>
           </a:p>
@@ -14632,12 +14545,12 @@
       </p:sp>
       <p:sp>
         <p:nvSpPr>
-          <p:cNvPr id="3" name="Content Placeholder 2"/>
+          <p:cNvPr id="6" name="Text Placeholder 5"/>
           <p:cNvSpPr>
             <a:spLocks noGrp="1"/>
           </p:cNvSpPr>
           <p:nvPr>
-            <p:ph idx="1"/>
+            <p:ph type="body" idx="1"/>
           </p:nvPr>
         </p:nvSpPr>
         <p:spPr/>
@@ -14646,17 +14559,112 @@
           <a:lstStyle/>
           <a:p>
             <a:r>
-              <a:rPr lang="en-PH" dirty="0"/>
-              <a:t>To produce a visualization of the detected communities on data found on Facebook and Twitter</a:t>
+              <a:rPr lang="en-US" dirty="0" smtClean="0"/>
+              <a:t>Specific Objective	</a:t>
             </a:r>
             <a:endParaRPr lang="en-US" dirty="0"/>
+          </a:p>
+        </p:txBody>
+      </p:sp>
+      <p:sp>
+        <p:nvSpPr>
+          <p:cNvPr id="7" name="Content Placeholder 6"/>
+          <p:cNvSpPr>
+            <a:spLocks noGrp="1"/>
+          </p:cNvSpPr>
+          <p:nvPr>
+            <p:ph sz="half" idx="2"/>
+          </p:nvPr>
+        </p:nvSpPr>
+        <p:spPr/>
+        <p:txBody>
+          <a:bodyPr>
+            <a:normAutofit/>
+          </a:bodyPr>
+          <a:lstStyle/>
+          <a:p>
+            <a:r>
+              <a:rPr lang="en-PH" sz="2800" dirty="0"/>
+              <a:t>To determine the various techniques and algorithms in detecting </a:t>
+            </a:r>
+            <a:r>
+              <a:rPr lang="en-PH" sz="2800" dirty="0" smtClean="0"/>
+              <a:t>communities</a:t>
+            </a:r>
+            <a:endParaRPr lang="en-US" sz="2800" dirty="0"/>
+          </a:p>
+        </p:txBody>
+      </p:sp>
+      <p:sp>
+        <p:nvSpPr>
+          <p:cNvPr id="8" name="Text Placeholder 7"/>
+          <p:cNvSpPr>
+            <a:spLocks noGrp="1"/>
+          </p:cNvSpPr>
+          <p:nvPr>
+            <p:ph type="body" sz="quarter" idx="3"/>
+          </p:nvPr>
+        </p:nvSpPr>
+        <p:spPr/>
+        <p:txBody>
+          <a:bodyPr/>
+          <a:lstStyle/>
+          <a:p>
+            <a:r>
+              <a:rPr lang="en-US" dirty="0" smtClean="0"/>
+              <a:t>Scope and Limitations</a:t>
+            </a:r>
+            <a:endParaRPr lang="en-US" dirty="0"/>
+          </a:p>
+        </p:txBody>
+      </p:sp>
+      <p:sp>
+        <p:nvSpPr>
+          <p:cNvPr id="9" name="Content Placeholder 8"/>
+          <p:cNvSpPr>
+            <a:spLocks noGrp="1"/>
+          </p:cNvSpPr>
+          <p:nvPr>
+            <p:ph sz="quarter" idx="4"/>
+          </p:nvPr>
+        </p:nvSpPr>
+        <p:spPr/>
+        <p:txBody>
+          <a:bodyPr>
+            <a:normAutofit/>
+          </a:bodyPr>
+          <a:lstStyle/>
+          <a:p>
+            <a:r>
+              <a:rPr lang="en-PH" sz="2800" dirty="0" smtClean="0"/>
+              <a:t>Identify </a:t>
+            </a:r>
+            <a:r>
+              <a:rPr lang="en-PH" sz="2800" dirty="0"/>
+              <a:t>the appropriate algorithms for clustering users into communities. </a:t>
+            </a:r>
+            <a:endParaRPr lang="en-PH" sz="2800" dirty="0" smtClean="0"/>
+          </a:p>
+          <a:p>
+            <a:r>
+              <a:rPr lang="en-PH" sz="2800" dirty="0" smtClean="0"/>
+              <a:t>Limited </a:t>
+            </a:r>
+            <a:r>
+              <a:rPr lang="en-PH" sz="2800" dirty="0"/>
+              <a:t>to review of algorithms </a:t>
+            </a:r>
+            <a:r>
+              <a:rPr lang="en-PH" sz="2800" dirty="0" smtClean="0"/>
+              <a:t>in RRL</a:t>
+            </a:r>
           </a:p>
         </p:txBody>
       </p:sp>
     </p:spTree>
     <p:extLst>
       <p:ext uri="{BB962C8B-B14F-4D97-AF65-F5344CB8AC3E}">
-        <p14:creationId xmlns:p14="http://schemas.microsoft.com/office/powerpoint/2010/main" val="2287641371"/>
+        <p14:creationId xmlns:p14="http://schemas.microsoft.com/office/powerpoint/2010/main" val="4030636345"/>
       </p:ext>
     </p:extLst>
   </p:cSld>
@@ -14700,7 +14708,7 @@
           <a:p>
             <a:r>
               <a:rPr lang="en-US" dirty="0" smtClean="0"/>
-              <a:t>Specific Objective #1</a:t>
+              <a:t>Specific Objective #2</a:t>
             </a:r>
             <a:endParaRPr lang="en-US" dirty="0"/>
           </a:p>
@@ -14741,18 +14749,20 @@
         </p:nvSpPr>
         <p:spPr/>
         <p:txBody>
-          <a:bodyPr/>
+          <a:bodyPr>
+            <a:normAutofit/>
+          </a:bodyPr>
           <a:lstStyle/>
           <a:p>
             <a:r>
-              <a:rPr lang="en-PH" dirty="0"/>
-              <a:t>To determine the various techniques and algorithms in detecting </a:t>
-            </a:r>
-            <a:r>
-              <a:rPr lang="en-PH" dirty="0" smtClean="0"/>
+              <a:rPr lang="en-PH" sz="2800" dirty="0"/>
+              <a:t>To determine the appropriate parameters to use in detecting the </a:t>
+            </a:r>
+            <a:r>
+              <a:rPr lang="en-PH" sz="2800" dirty="0" smtClean="0"/>
               <a:t>communities</a:t>
             </a:r>
-            <a:endParaRPr lang="en-US" dirty="0"/>
+            <a:endParaRPr lang="en-US" sz="2800" dirty="0"/>
           </a:p>
         </p:txBody>
       </p:sp>
@@ -14792,40 +14802,69 @@
         <p:spPr/>
         <p:txBody>
           <a:bodyPr>
-            <a:normAutofit/>
+            <a:noAutofit/>
           </a:bodyPr>
           <a:lstStyle/>
           <a:p>
             <a:r>
-              <a:rPr lang="en-PH" dirty="0" smtClean="0"/>
-              <a:t>Research is </a:t>
-            </a:r>
-            <a:r>
-              <a:rPr lang="en-PH" dirty="0"/>
-              <a:t>needed to identify the appropriate algorithms for clustering users into communities. </a:t>
-            </a:r>
-            <a:endParaRPr lang="en-PH" dirty="0" smtClean="0"/>
-          </a:p>
-          <a:p>
-            <a:r>
-              <a:rPr lang="en-PH" dirty="0" smtClean="0"/>
+              <a:rPr lang="en-PH" sz="2000" dirty="0" smtClean="0"/>
+              <a:t>Parameters that indicate user similarity</a:t>
+            </a:r>
+          </a:p>
+          <a:p>
+            <a:r>
+              <a:rPr lang="en-PH" sz="2000" dirty="0" smtClean="0"/>
               <a:t>Limited </a:t>
             </a:r>
             <a:r>
-              <a:rPr lang="en-PH" dirty="0"/>
-              <a:t>to review of algorithms </a:t>
-            </a:r>
-            <a:r>
-              <a:rPr lang="en-PH" dirty="0" smtClean="0"/>
-              <a:t>in RRL</a:t>
-            </a:r>
+              <a:rPr lang="en-PH" sz="2000" dirty="0"/>
+              <a:t>to </a:t>
+            </a:r>
+            <a:endParaRPr lang="en-PH" sz="2000" dirty="0" smtClean="0"/>
+          </a:p>
+          <a:p>
+            <a:pPr lvl="1"/>
+            <a:r>
+              <a:rPr lang="en-PH" sz="2000" dirty="0" smtClean="0"/>
+              <a:t>sentiment analysis</a:t>
+            </a:r>
+          </a:p>
+          <a:p>
+            <a:pPr lvl="1"/>
+            <a:r>
+              <a:rPr lang="en-PH" sz="2000" dirty="0" smtClean="0"/>
+              <a:t>elements </a:t>
+            </a:r>
+            <a:r>
+              <a:rPr lang="en-PH" sz="2000" dirty="0"/>
+              <a:t>which can be extracted from a user’s </a:t>
+            </a:r>
+            <a:r>
+              <a:rPr lang="en-PH" sz="2000" dirty="0" smtClean="0"/>
+              <a:t>profile/posts</a:t>
+            </a:r>
+          </a:p>
+          <a:p>
+            <a:r>
+              <a:rPr lang="en-PH" sz="2000" dirty="0" smtClean="0"/>
+              <a:t>Facebook </a:t>
+            </a:r>
+            <a:r>
+              <a:rPr lang="en-PH" sz="2000" dirty="0"/>
+              <a:t>specific </a:t>
+            </a:r>
+            <a:r>
+              <a:rPr lang="en-PH" sz="2000" dirty="0" smtClean="0"/>
+              <a:t>features</a:t>
+            </a:r>
+            <a:endParaRPr lang="en-US" sz="2000" dirty="0"/>
           </a:p>
         </p:txBody>
       </p:sp>
     </p:spTree>
     <p:extLst>
       <p:ext uri="{BB962C8B-B14F-4D97-AF65-F5344CB8AC3E}">
-        <p14:creationId xmlns:p14="http://schemas.microsoft.com/office/powerpoint/2010/main" val="4030636345"/>
+        <p14:creationId xmlns:p14="http://schemas.microsoft.com/office/powerpoint/2010/main" val="2947744017"/>
       </p:ext>
     </p:extLst>
   </p:cSld>

--- a/STMETRE_FernandezPobleteSanPedroTan_Presentation_v1.pptx
+++ b/STMETRE_FernandezPobleteSanPedroTan_Presentation_v1.pptx
@@ -118,6 +118,11 @@
       </a:defRPr>
     </a:lvl9pPr>
   </p:defaultTextStyle>
+  <p:extLst>
+    <p:ext uri="{EFAFB233-063F-42B5-8137-9DF3F51BA10A}">
+      <p15:sldGuideLst xmlns:p15="http://schemas.microsoft.com/office/powerpoint/2012/main"/>
+    </p:ext>
+  </p:extLst>
 </p:presentation>
 </file>
 
@@ -456,7 +461,7 @@
           <a:p>
             <a:fld id="{78ABE3C1-DBE1-495D-B57B-2849774B866A}" type="datetimeFigureOut">
               <a:rPr lang="en-US" smtClean="0"/>
-              <a:t>7/11/2016</a:t>
+              <a:t>7/17/2016</a:t>
             </a:fld>
             <a:endParaRPr lang="en-US" dirty="0"/>
           </a:p>
@@ -1544,7 +1549,7 @@
           <a:p>
             <a:fld id="{446C117F-5CCF-4837-BE5F-2B92066CAFAF}" type="datetimeFigureOut">
               <a:rPr lang="en-US" smtClean="0"/>
-              <a:t>7/11/2016</a:t>
+              <a:t>7/17/2016</a:t>
             </a:fld>
             <a:endParaRPr lang="en-US" dirty="0"/>
           </a:p>
@@ -2524,7 +2529,7 @@
           <a:p>
             <a:fld id="{84EB90BD-B6CE-46B7-997F-7313B992CCDC}" type="datetimeFigureOut">
               <a:rPr lang="en-US" smtClean="0"/>
-              <a:t>7/11/2016</a:t>
+              <a:t>7/17/2016</a:t>
             </a:fld>
             <a:endParaRPr lang="en-US" dirty="0"/>
           </a:p>
@@ -3658,7 +3663,7 @@
           <a:p>
             <a:fld id="{CDB9D11F-B188-461D-B23F-39381795C052}" type="datetimeFigureOut">
               <a:rPr lang="en-US" smtClean="0"/>
-              <a:t>7/11/2016</a:t>
+              <a:t>7/17/2016</a:t>
             </a:fld>
             <a:endParaRPr lang="en-US" dirty="0"/>
           </a:p>
@@ -4691,7 +4696,7 @@
           <a:p>
             <a:fld id="{52E6D8D9-55A2-4063-B0F3-121F44549695}" type="datetimeFigureOut">
               <a:rPr lang="en-US" smtClean="0"/>
-              <a:t>7/11/2016</a:t>
+              <a:t>7/17/2016</a:t>
             </a:fld>
             <a:endParaRPr lang="en-US" dirty="0"/>
           </a:p>
@@ -5351,7 +5356,7 @@
           <a:p>
             <a:fld id="{D4B24536-994D-4021-A283-9F449C0DB509}" type="datetimeFigureOut">
               <a:rPr lang="en-US" smtClean="0"/>
-              <a:t>7/11/2016</a:t>
+              <a:t>7/17/2016</a:t>
             </a:fld>
             <a:endParaRPr lang="en-US" dirty="0"/>
           </a:p>
@@ -6212,7 +6217,7 @@
           <a:p>
             <a:fld id="{3CBBBB78-C96F-47B7-AB17-D852CA960AC9}" type="datetimeFigureOut">
               <a:rPr lang="en-US" smtClean="0"/>
-              <a:t>7/11/2016</a:t>
+              <a:t>7/17/2016</a:t>
             </a:fld>
             <a:endParaRPr lang="en-US" dirty="0"/>
           </a:p>
@@ -6402,7 +6407,7 @@
           <a:p>
             <a:fld id="{1FA3F48C-C7C6-4055-9F49-3777875E72AE}" type="datetimeFigureOut">
               <a:rPr lang="en-US" smtClean="0"/>
-              <a:t>7/11/2016</a:t>
+              <a:t>7/17/2016</a:t>
             </a:fld>
             <a:endParaRPr lang="en-US" dirty="0"/>
           </a:p>
@@ -7374,7 +7379,7 @@
           <a:p>
             <a:fld id="{6178E61D-D431-422C-9764-11DAFE33AB63}" type="datetimeFigureOut">
               <a:rPr lang="en-US" smtClean="0"/>
-              <a:t>7/11/2016</a:t>
+              <a:t>7/17/2016</a:t>
             </a:fld>
             <a:endParaRPr lang="en-US" dirty="0"/>
           </a:p>
@@ -7586,7 +7591,7 @@
           <a:p>
             <a:fld id="{12DE42F4-6EEF-4EF7-8ED4-2208F0F89A08}" type="datetimeFigureOut">
               <a:rPr lang="en-US" smtClean="0"/>
-              <a:t>7/11/2016</a:t>
+              <a:t>7/17/2016</a:t>
             </a:fld>
             <a:endParaRPr lang="en-US" dirty="0"/>
           </a:p>
@@ -8620,7 +8625,7 @@
           <a:p>
             <a:fld id="{30578ACC-22D6-47C1-A373-4FD133E34F3C}" type="datetimeFigureOut">
               <a:rPr lang="en-US" smtClean="0"/>
-              <a:t>7/11/2016</a:t>
+              <a:t>7/17/2016</a:t>
             </a:fld>
             <a:endParaRPr lang="en-US" dirty="0"/>
           </a:p>
@@ -8892,7 +8897,7 @@
           <a:p>
             <a:fld id="{4E5A6C69-6797-4E8A-BF37-F2C3751466E9}" type="datetimeFigureOut">
               <a:rPr lang="en-US" smtClean="0"/>
-              <a:t>7/11/2016</a:t>
+              <a:t>7/17/2016</a:t>
             </a:fld>
             <a:endParaRPr lang="en-US" dirty="0"/>
           </a:p>
@@ -9302,7 +9307,7 @@
           <a:p>
             <a:fld id="{D82014A1-A632-4878-A0D3-F52BA7563730}" type="datetimeFigureOut">
               <a:rPr lang="en-US" smtClean="0"/>
-              <a:t>7/11/2016</a:t>
+              <a:t>7/17/2016</a:t>
             </a:fld>
             <a:endParaRPr lang="en-US" dirty="0"/>
           </a:p>
@@ -9429,7 +9434,7 @@
           <a:p>
             <a:fld id="{CE99F462-093F-4566-844B-4C71F2739DA5}" type="datetimeFigureOut">
               <a:rPr lang="en-US" smtClean="0"/>
-              <a:t>7/11/2016</a:t>
+              <a:t>7/17/2016</a:t>
             </a:fld>
             <a:endParaRPr lang="en-US" dirty="0"/>
           </a:p>
@@ -9524,7 +9529,7 @@
           <a:p>
             <a:fld id="{3D24A7AC-904D-4781-85BA-7D10C17ED021}" type="datetimeFigureOut">
               <a:rPr lang="en-US" smtClean="0"/>
-              <a:t>7/11/2016</a:t>
+              <a:t>7/17/2016</a:t>
             </a:fld>
             <a:endParaRPr lang="en-US" dirty="0"/>
           </a:p>
@@ -10605,7 +10610,7 @@
           <a:p>
             <a:fld id="{E331444B-B92B-4E27-8C94-BB93EAF5CB18}" type="datetimeFigureOut">
               <a:rPr lang="en-US" smtClean="0"/>
-              <a:t>7/11/2016</a:t>
+              <a:t>7/17/2016</a:t>
             </a:fld>
             <a:endParaRPr lang="en-US" dirty="0"/>
           </a:p>
@@ -11713,7 +11718,7 @@
           <a:p>
             <a:fld id="{363EFA5E-FA76-400D-B3DC-F0BA90E6D107}" type="datetimeFigureOut">
               <a:rPr lang="en-US" smtClean="0"/>
-              <a:t>7/11/2016</a:t>
+              <a:t>7/17/2016</a:t>
             </a:fld>
             <a:endParaRPr lang="en-US" dirty="0"/>
           </a:p>
@@ -12710,7 +12715,7 @@
           <a:p>
             <a:fld id="{9D6E9DEC-419B-4CC5-A080-3B06BD5A8291}" type="datetimeFigureOut">
               <a:rPr lang="en-US" smtClean="0"/>
-              <a:t>7/11/2016</a:t>
+              <a:t>7/17/2016</a:t>
             </a:fld>
             <a:endParaRPr lang="en-US" dirty="0"/>
           </a:p>
@@ -13323,7 +13328,11 @@
           <a:p>
             <a:r>
               <a:rPr lang="en-US" dirty="0" smtClean="0"/>
-              <a:t>Researchers: Fernandez, Ryan Austin</a:t>
+              <a:t>PROPONENTS: Fernandez</a:t>
+            </a:r>
+            <a:r>
+              <a:rPr lang="en-US" dirty="0" smtClean="0"/>
+              <a:t>, Ryan Austin</a:t>
             </a:r>
           </a:p>
           <a:p>
@@ -13341,7 +13350,15 @@
             </a:r>
             <a:r>
               <a:rPr lang="en-US" dirty="0" smtClean="0"/>
-              <a:t>           Poblete, Clarisse Felicia M.</a:t>
+              <a:t>          </a:t>
+            </a:r>
+            <a:r>
+              <a:rPr lang="en-US" dirty="0" smtClean="0"/>
+              <a:t>Poblete</a:t>
+            </a:r>
+            <a:r>
+              <a:rPr lang="en-US" dirty="0" smtClean="0"/>
+              <a:t>, Clarisse Felicia M.</a:t>
             </a:r>
           </a:p>
           <a:p>
@@ -13351,7 +13368,15 @@
             </a:r>
             <a:r>
               <a:rPr lang="en-US" dirty="0" smtClean="0"/>
-              <a:t>                  SAN PEDRO, Marc Dominic</a:t>
+              <a:t>                 </a:t>
+            </a:r>
+            <a:r>
+              <a:rPr lang="en-US" dirty="0" smtClean="0"/>
+              <a:t>SAN </a:t>
+            </a:r>
+            <a:r>
+              <a:rPr lang="en-US" dirty="0" smtClean="0"/>
+              <a:t>PEDRO, Marc Dominic</a:t>
             </a:r>
           </a:p>
           <a:p>
@@ -13361,13 +13386,33 @@
             </a:r>
             <a:r>
               <a:rPr lang="en-US" dirty="0" smtClean="0"/>
-              <a:t>                         Tan, Johansson E.</a:t>
-            </a:r>
-          </a:p>
-          <a:p>
+              <a:t>                        </a:t>
+            </a:r>
             <a:r>
               <a:rPr lang="en-US" dirty="0" smtClean="0"/>
-              <a:t>ADVISER:          MS. </a:t>
+              <a:t>Tan</a:t>
+            </a:r>
+            <a:r>
+              <a:rPr lang="en-US" dirty="0" smtClean="0"/>
+              <a:t>, Johansson E.</a:t>
+            </a:r>
+          </a:p>
+          <a:p>
+            <a:r>
+              <a:rPr lang="en-US" dirty="0" smtClean="0"/>
+              <a:t>ADVISER</a:t>
+            </a:r>
+            <a:r>
+              <a:rPr lang="en-US" smtClean="0"/>
+              <a:t>:         </a:t>
+            </a:r>
+            <a:r>
+              <a:rPr lang="en-US" smtClean="0"/>
+              <a:t>MS</a:t>
+            </a:r>
+            <a:r>
+              <a:rPr lang="en-US" dirty="0" smtClean="0"/>
+              <a:t>. </a:t>
             </a:r>
             <a:r>
               <a:rPr lang="en-US" dirty="0" err="1" smtClean="0"/>
